--- a/L04P01 - Raspberry Pi - NodeRed/L04P01 - Week 4 - Node-RED.pptx
+++ b/L04P01 - Raspberry Pi - NodeRed/L04P01 - Week 4 - Node-RED.pptx
@@ -6,10 +6,10 @@
     <p:sldMasterId id="2147483670" r:id="rId5"/>
   </p:sldMasterIdLst>
   <p:notesMasterIdLst>
-    <p:notesMasterId r:id="rId18"/>
+    <p:notesMasterId r:id="rId19"/>
   </p:notesMasterIdLst>
   <p:handoutMasterIdLst>
-    <p:handoutMasterId r:id="rId19"/>
+    <p:handoutMasterId r:id="rId20"/>
   </p:handoutMasterIdLst>
   <p:sldIdLst>
     <p:sldId id="256" r:id="rId6"/>
@@ -23,7 +23,8 @@
     <p:sldId id="395" r:id="rId14"/>
     <p:sldId id="396" r:id="rId15"/>
     <p:sldId id="397" r:id="rId16"/>
-    <p:sldId id="387" r:id="rId17"/>
+    <p:sldId id="398" r:id="rId17"/>
+    <p:sldId id="387" r:id="rId18"/>
   </p:sldIdLst>
   <p:sldSz cx="12192000" cy="6858000"/>
   <p:notesSz cx="6797675" cy="9926638"/>
@@ -908,7 +909,7 @@
           <a:p>
             <a:fld id="{25ED37B6-3D2B-42F6-B75F-7E9C925A2B78}" type="datetimeFigureOut">
               <a:rPr lang="nl-NL" smtClean="0"/>
-              <a:t>22-01-2024</a:t>
+              <a:t>24-01-2024</a:t>
             </a:fld>
             <a:endParaRPr lang="nl-NL"/>
           </a:p>
@@ -1073,7 +1074,7 @@
           <a:p>
             <a:fld id="{67D95C54-6F9B-4C49-BF56-4D62B2D71ED9}" type="datetimeFigureOut">
               <a:rPr lang="nl-NL" smtClean="0"/>
-              <a:t>22-01-2024</a:t>
+              <a:t>24-01-2024</a:t>
             </a:fld>
             <a:endParaRPr lang="nl-NL"/>
           </a:p>
@@ -5992,6 +5993,93 @@
 </file>
 
 <file path=ppt/slides/slide12.xml><?xml version="1.0" encoding="utf-8"?>
+<p:sld xmlns:a="http://schemas.openxmlformats.org/drawingml/2006/main" xmlns:r="http://schemas.openxmlformats.org/officeDocument/2006/relationships" xmlns:p="http://schemas.openxmlformats.org/presentationml/2006/main">
+  <p:cSld>
+    <p:spTree>
+      <p:nvGrpSpPr>
+        <p:cNvPr id="1" name=""/>
+        <p:cNvGrpSpPr/>
+        <p:nvPr/>
+      </p:nvGrpSpPr>
+      <p:grpSpPr>
+        <a:xfrm>
+          <a:off x="0" y="0"/>
+          <a:ext cx="0" cy="0"/>
+          <a:chOff x="0" y="0"/>
+          <a:chExt cx="0" cy="0"/>
+        </a:xfrm>
+      </p:grpSpPr>
+      <p:sp>
+        <p:nvSpPr>
+          <p:cNvPr id="2" name="Title 1">
+            <a:extLst>
+              <a:ext uri="{FF2B5EF4-FFF2-40B4-BE49-F238E27FC236}">
+                <a16:creationId xmlns:a16="http://schemas.microsoft.com/office/drawing/2014/main" id="{A84C785D-B6F8-9F71-ABA0-73F385E68125}"/>
+              </a:ext>
+            </a:extLst>
+          </p:cNvPr>
+          <p:cNvSpPr>
+            <a:spLocks noGrp="1"/>
+          </p:cNvSpPr>
+          <p:nvPr>
+            <p:ph type="title"/>
+          </p:nvPr>
+        </p:nvSpPr>
+        <p:spPr/>
+        <p:txBody>
+          <a:bodyPr/>
+          <a:lstStyle/>
+          <a:p>
+            <a:endParaRPr lang="en-US"/>
+          </a:p>
+        </p:txBody>
+      </p:sp>
+      <p:pic>
+        <p:nvPicPr>
+          <p:cNvPr id="4" name="Content Placeholder 3">
+            <a:extLst>
+              <a:ext uri="{FF2B5EF4-FFF2-40B4-BE49-F238E27FC236}">
+                <a16:creationId xmlns:a16="http://schemas.microsoft.com/office/drawing/2014/main" id="{5D044491-D36B-B226-A740-2DBCE8CE3CC5}"/>
+              </a:ext>
+            </a:extLst>
+          </p:cNvPr>
+          <p:cNvPicPr>
+            <a:picLocks noGrp="1" noChangeAspect="1"/>
+          </p:cNvPicPr>
+          <p:nvPr>
+            <p:ph sz="half" idx="2"/>
+          </p:nvPr>
+        </p:nvPicPr>
+        <p:blipFill>
+          <a:blip r:embed="rId2"/>
+          <a:stretch>
+            <a:fillRect/>
+          </a:stretch>
+        </p:blipFill>
+        <p:spPr>
+          <a:xfrm>
+            <a:off x="836612" y="1690688"/>
+            <a:ext cx="7353300" cy="1028700"/>
+          </a:xfrm>
+          <a:prstGeom prst="rect">
+            <a:avLst/>
+          </a:prstGeom>
+        </p:spPr>
+      </p:pic>
+    </p:spTree>
+    <p:extLst>
+      <p:ext uri="{BB962C8B-B14F-4D97-AF65-F5344CB8AC3E}">
+        <p14:creationId xmlns:p14="http://schemas.microsoft.com/office/powerpoint/2010/main" val="3038923839"/>
+      </p:ext>
+    </p:extLst>
+  </p:cSld>
+  <p:clrMapOvr>
+    <a:masterClrMapping/>
+  </p:clrMapOvr>
+</p:sld>
+</file>
+
+<file path=ppt/slides/slide13.xml><?xml version="1.0" encoding="utf-8"?>
 <p:sld xmlns:a="http://schemas.openxmlformats.org/drawingml/2006/main" xmlns:r="http://schemas.openxmlformats.org/officeDocument/2006/relationships" xmlns:p="http://schemas.openxmlformats.org/presentationml/2006/main">
   <p:cSld>
     <p:spTree>
@@ -8556,12 +8644,6 @@
 </file>
 
 <file path=customXml/item1.xml><?xml version="1.0" encoding="utf-8"?>
-<p:properties xmlns:p="http://schemas.microsoft.com/office/2006/metadata/properties" xmlns:xsi="http://www.w3.org/2001/XMLSchema-instance" xmlns:pc="http://schemas.microsoft.com/office/infopath/2007/PartnerControls">
-  <documentManagement/>
-</p:properties>
-</file>
-
-<file path=customXml/item2.xml><?xml version="1.0" encoding="utf-8"?>
 <ct:contentTypeSchema xmlns:ct="http://schemas.microsoft.com/office/2006/metadata/contentType" xmlns:ma="http://schemas.microsoft.com/office/2006/metadata/properties/metaAttributes" ct:_="" ma:_="" ma:contentTypeName="Document" ma:contentTypeID="0x0101004EE29C275B0330428D2BFA2C8D576F4B" ma:contentTypeVersion="0" ma:contentTypeDescription="Een nieuw document maken." ma:contentTypeScope="" ma:versionID="6f3e0ea117c09d99e40ae3b100a299dc">
   <xsd:schema xmlns:xsd="http://www.w3.org/2001/XMLSchema" xmlns:xs="http://www.w3.org/2001/XMLSchema" xmlns:p="http://schemas.microsoft.com/office/2006/metadata/properties" targetNamespace="http://schemas.microsoft.com/office/2006/metadata/properties" ma:root="true" ma:fieldsID="1978a156f712f99d6452530788f7ffe9">
     <xsd:element name="properties">
@@ -8675,6 +8757,12 @@
 </ct:contentTypeSchema>
 </file>
 
+<file path=customXml/item2.xml><?xml version="1.0" encoding="utf-8"?>
+<p:properties xmlns:p="http://schemas.microsoft.com/office/2006/metadata/properties" xmlns:xsi="http://www.w3.org/2001/XMLSchema-instance" xmlns:pc="http://schemas.microsoft.com/office/infopath/2007/PartnerControls">
+  <documentManagement/>
+</p:properties>
+</file>
+
 <file path=customXml/item3.xml><?xml version="1.0" encoding="utf-8"?>
 <?mso-contentType ?>
 <FormTemplates xmlns="http://schemas.microsoft.com/sharepoint/v3/contenttype/forms">
@@ -8685,21 +8773,6 @@
 </file>
 
 <file path=customXml/itemProps1.xml><?xml version="1.0" encoding="utf-8"?>
-<ds:datastoreItem xmlns:ds="http://schemas.openxmlformats.org/officeDocument/2006/customXml" ds:itemID="{A03AAC8F-903D-4F48-B309-C4EB3B4EEDDC}">
-  <ds:schemaRefs>
-    <ds:schemaRef ds:uri="http://purl.org/dc/terms/"/>
-    <ds:schemaRef ds:uri="http://purl.org/dc/dcmitype/"/>
-    <ds:schemaRef ds:uri="http://schemas.microsoft.com/office/2006/documentManagement/types"/>
-    <ds:schemaRef ds:uri="http://schemas.openxmlformats.org/package/2006/metadata/core-properties"/>
-    <ds:schemaRef ds:uri="http://purl.org/dc/elements/1.1/"/>
-    <ds:schemaRef ds:uri="http://www.w3.org/XML/1998/namespace"/>
-    <ds:schemaRef ds:uri="http://schemas.microsoft.com/office/infopath/2007/PartnerControls"/>
-    <ds:schemaRef ds:uri="http://schemas.microsoft.com/office/2006/metadata/properties"/>
-  </ds:schemaRefs>
-</ds:datastoreItem>
-</file>
-
-<file path=customXml/itemProps2.xml><?xml version="1.0" encoding="utf-8"?>
 <ds:datastoreItem xmlns:ds="http://schemas.openxmlformats.org/officeDocument/2006/customXml" ds:itemID="{7C812B3D-632E-45B1-BE3D-5F5FC6F96A1A}">
   <ds:schemaRefs>
     <ds:schemaRef ds:uri="http://schemas.microsoft.com/office/2006/metadata/contentType"/>
@@ -8715,6 +8788,21 @@
 </ds:datastoreItem>
 </file>
 
+<file path=customXml/itemProps2.xml><?xml version="1.0" encoding="utf-8"?>
+<ds:datastoreItem xmlns:ds="http://schemas.openxmlformats.org/officeDocument/2006/customXml" ds:itemID="{A03AAC8F-903D-4F48-B309-C4EB3B4EEDDC}">
+  <ds:schemaRefs>
+    <ds:schemaRef ds:uri="http://purl.org/dc/terms/"/>
+    <ds:schemaRef ds:uri="http://purl.org/dc/dcmitype/"/>
+    <ds:schemaRef ds:uri="http://schemas.microsoft.com/office/2006/documentManagement/types"/>
+    <ds:schemaRef ds:uri="http://schemas.openxmlformats.org/package/2006/metadata/core-properties"/>
+    <ds:schemaRef ds:uri="http://purl.org/dc/elements/1.1/"/>
+    <ds:schemaRef ds:uri="http://www.w3.org/XML/1998/namespace"/>
+    <ds:schemaRef ds:uri="http://schemas.microsoft.com/office/infopath/2007/PartnerControls"/>
+    <ds:schemaRef ds:uri="http://schemas.microsoft.com/office/2006/metadata/properties"/>
+  </ds:schemaRefs>
+</ds:datastoreItem>
+</file>
+
 <file path=customXml/itemProps3.xml><?xml version="1.0" encoding="utf-8"?>
 <ds:datastoreItem xmlns:ds="http://schemas.openxmlformats.org/officeDocument/2006/customXml" ds:itemID="{C58370CC-8AF3-4E85-911D-3C7AD1FAAE10}">
   <ds:schemaRefs>
